--- a/MicroService Course/3.RestFulWSCreation/14.Filtering.pptx
+++ b/MicroService Course/3.RestFulWSCreation/14.Filtering.pptx
@@ -8,6 +8,7 @@
     <p:sldId id="257" r:id="rId2"/>
     <p:sldId id="256" r:id="rId3"/>
     <p:sldId id="258" r:id="rId4"/>
+    <p:sldId id="259" r:id="rId5"/>
   </p:sldIdLst>
   <p:sldSz cx="12192000" cy="6858000"/>
   <p:notesSz cx="6858000" cy="9144000"/>
@@ -106,6 +107,11 @@
       </a:defRPr>
     </a:lvl9pPr>
   </p:defaultTextStyle>
+  <p:extLst>
+    <p:ext uri="{EFAFB233-063F-42B5-8137-9DF3F51BA10A}">
+      <p15:sldGuideLst xmlns:p15="http://schemas.microsoft.com/office/powerpoint/2012/main"/>
+    </p:ext>
+  </p:extLst>
 </p:presentation>
 </file>
 
@@ -258,7 +264,7 @@
           <a:p>
             <a:fld id="{F5E0DDF3-386F-49FB-98EA-4F408B1599E5}" type="datetimeFigureOut">
               <a:rPr lang="en-IN" smtClean="0"/>
-              <a:t>30-12-2021</a:t>
+              <a:t>12-01-2022</a:t>
             </a:fld>
             <a:endParaRPr lang="en-IN"/>
           </a:p>
@@ -458,7 +464,7 @@
           <a:p>
             <a:fld id="{F5E0DDF3-386F-49FB-98EA-4F408B1599E5}" type="datetimeFigureOut">
               <a:rPr lang="en-IN" smtClean="0"/>
-              <a:t>30-12-2021</a:t>
+              <a:t>12-01-2022</a:t>
             </a:fld>
             <a:endParaRPr lang="en-IN"/>
           </a:p>
@@ -668,7 +674,7 @@
           <a:p>
             <a:fld id="{F5E0DDF3-386F-49FB-98EA-4F408B1599E5}" type="datetimeFigureOut">
               <a:rPr lang="en-IN" smtClean="0"/>
-              <a:t>30-12-2021</a:t>
+              <a:t>12-01-2022</a:t>
             </a:fld>
             <a:endParaRPr lang="en-IN"/>
           </a:p>
@@ -868,7 +874,7 @@
           <a:p>
             <a:fld id="{F5E0DDF3-386F-49FB-98EA-4F408B1599E5}" type="datetimeFigureOut">
               <a:rPr lang="en-IN" smtClean="0"/>
-              <a:t>30-12-2021</a:t>
+              <a:t>12-01-2022</a:t>
             </a:fld>
             <a:endParaRPr lang="en-IN"/>
           </a:p>
@@ -1144,7 +1150,7 @@
           <a:p>
             <a:fld id="{F5E0DDF3-386F-49FB-98EA-4F408B1599E5}" type="datetimeFigureOut">
               <a:rPr lang="en-IN" smtClean="0"/>
-              <a:t>30-12-2021</a:t>
+              <a:t>12-01-2022</a:t>
             </a:fld>
             <a:endParaRPr lang="en-IN"/>
           </a:p>
@@ -1412,7 +1418,7 @@
           <a:p>
             <a:fld id="{F5E0DDF3-386F-49FB-98EA-4F408B1599E5}" type="datetimeFigureOut">
               <a:rPr lang="en-IN" smtClean="0"/>
-              <a:t>30-12-2021</a:t>
+              <a:t>12-01-2022</a:t>
             </a:fld>
             <a:endParaRPr lang="en-IN"/>
           </a:p>
@@ -1827,7 +1833,7 @@
           <a:p>
             <a:fld id="{F5E0DDF3-386F-49FB-98EA-4F408B1599E5}" type="datetimeFigureOut">
               <a:rPr lang="en-IN" smtClean="0"/>
-              <a:t>30-12-2021</a:t>
+              <a:t>12-01-2022</a:t>
             </a:fld>
             <a:endParaRPr lang="en-IN"/>
           </a:p>
@@ -1969,7 +1975,7 @@
           <a:p>
             <a:fld id="{F5E0DDF3-386F-49FB-98EA-4F408B1599E5}" type="datetimeFigureOut">
               <a:rPr lang="en-IN" smtClean="0"/>
-              <a:t>30-12-2021</a:t>
+              <a:t>12-01-2022</a:t>
             </a:fld>
             <a:endParaRPr lang="en-IN"/>
           </a:p>
@@ -2082,7 +2088,7 @@
           <a:p>
             <a:fld id="{F5E0DDF3-386F-49FB-98EA-4F408B1599E5}" type="datetimeFigureOut">
               <a:rPr lang="en-IN" smtClean="0"/>
-              <a:t>30-12-2021</a:t>
+              <a:t>12-01-2022</a:t>
             </a:fld>
             <a:endParaRPr lang="en-IN"/>
           </a:p>
@@ -2395,7 +2401,7 @@
           <a:p>
             <a:fld id="{F5E0DDF3-386F-49FB-98EA-4F408B1599E5}" type="datetimeFigureOut">
               <a:rPr lang="en-IN" smtClean="0"/>
-              <a:t>30-12-2021</a:t>
+              <a:t>12-01-2022</a:t>
             </a:fld>
             <a:endParaRPr lang="en-IN"/>
           </a:p>
@@ -2684,7 +2690,7 @@
           <a:p>
             <a:fld id="{F5E0DDF3-386F-49FB-98EA-4F408B1599E5}" type="datetimeFigureOut">
               <a:rPr lang="en-IN" smtClean="0"/>
-              <a:t>30-12-2021</a:t>
+              <a:t>12-01-2022</a:t>
             </a:fld>
             <a:endParaRPr lang="en-IN"/>
           </a:p>
@@ -2927,7 +2933,7 @@
           <a:p>
             <a:fld id="{F5E0DDF3-386F-49FB-98EA-4F408B1599E5}" type="datetimeFigureOut">
               <a:rPr lang="en-IN" smtClean="0"/>
-              <a:t>30-12-2021</a:t>
+              <a:t>12-01-2022</a:t>
             </a:fld>
             <a:endParaRPr lang="en-IN"/>
           </a:p>
@@ -3683,7 +3689,7 @@
         <p:spPr/>
         <p:txBody>
           <a:bodyPr>
-            <a:normAutofit fontScale="92500"/>
+            <a:normAutofit fontScale="92500" lnSpcReduction="10000"/>
           </a:bodyPr>
           <a:lstStyle/>
           <a:p>
@@ -3762,7 +3768,20 @@
                 <a:effectLst/>
                 <a:latin typeface="inter-regular"/>
               </a:rPr>
-              <a:t> directly in the bean. We need to start configuring filtering, where we are retrieving the values. To implement dynamic filtering, we use a class named </a:t>
+              <a:t> directly in the bean. We need to start configuring filtering, where we are retrieving the values. </a:t>
+            </a:r>
+          </a:p>
+          <a:p>
+            <a:pPr algn="just"/>
+            <a:r>
+              <a:rPr lang="en-US" b="0" i="0" dirty="0">
+                <a:solidFill>
+                  <a:srgbClr val="333333"/>
+                </a:solidFill>
+                <a:effectLst/>
+                <a:latin typeface="inter-regular"/>
+              </a:rPr>
+              <a:t>To implement dynamic filtering, we use a class named </a:t>
             </a:r>
             <a:r>
               <a:rPr lang="en-US" b="0" i="0" dirty="0" err="1">
@@ -3794,6 +3813,708 @@
     <p:extLst>
       <p:ext uri="{BB962C8B-B14F-4D97-AF65-F5344CB8AC3E}">
         <p14:creationId xmlns:p14="http://schemas.microsoft.com/office/powerpoint/2010/main" val="541479939"/>
+      </p:ext>
+    </p:extLst>
+  </p:cSld>
+  <p:clrMapOvr>
+    <a:masterClrMapping/>
+  </p:clrMapOvr>
+</p:sld>
+</file>
+
+<file path=ppt/slides/slide4.xml><?xml version="1.0" encoding="utf-8"?>
+<p:sld xmlns:a="http://schemas.openxmlformats.org/drawingml/2006/main" xmlns:r="http://schemas.openxmlformats.org/officeDocument/2006/relationships" xmlns:p="http://schemas.openxmlformats.org/presentationml/2006/main">
+  <p:cSld>
+    <p:spTree>
+      <p:nvGrpSpPr>
+        <p:cNvPr id="1" name=""/>
+        <p:cNvGrpSpPr/>
+        <p:nvPr/>
+      </p:nvGrpSpPr>
+      <p:grpSpPr>
+        <a:xfrm>
+          <a:off x="0" y="0"/>
+          <a:ext cx="0" cy="0"/>
+          <a:chOff x="0" y="0"/>
+          <a:chExt cx="0" cy="0"/>
+        </a:xfrm>
+      </p:grpSpPr>
+      <p:sp>
+        <p:nvSpPr>
+          <p:cNvPr id="5" name="TextBox 4">
+            <a:extLst>
+              <a:ext uri="{FF2B5EF4-FFF2-40B4-BE49-F238E27FC236}">
+                <a16:creationId xmlns:a16="http://schemas.microsoft.com/office/drawing/2014/main" id="{C5DBCFE3-FC29-4DC4-9AC1-E42C4A5CA1BA}"/>
+              </a:ext>
+            </a:extLst>
+          </p:cNvPr>
+          <p:cNvSpPr txBox="1"/>
+          <p:nvPr/>
+        </p:nvSpPr>
+        <p:spPr>
+          <a:xfrm>
+            <a:off x="113123" y="860564"/>
+            <a:ext cx="11906052" cy="3693319"/>
+          </a:xfrm>
+          <a:prstGeom prst="rect">
+            <a:avLst/>
+          </a:prstGeom>
+          <a:noFill/>
+        </p:spPr>
+        <p:txBody>
+          <a:bodyPr wrap="square">
+            <a:spAutoFit/>
+          </a:bodyPr>
+          <a:lstStyle/>
+          <a:p>
+            <a:pPr algn="l"/>
+            <a:r>
+              <a:rPr lang="en-IN" sz="1800" dirty="0">
+                <a:solidFill>
+                  <a:srgbClr val="646464"/>
+                </a:solidFill>
+                <a:latin typeface="Consolas" panose="020B0609020204030204" pitchFamily="49" charset="0"/>
+              </a:rPr>
+              <a:t>@GetMapping</a:t>
+            </a:r>
+            <a:r>
+              <a:rPr lang="en-IN" sz="1800" dirty="0">
+                <a:solidFill>
+                  <a:srgbClr val="000000"/>
+                </a:solidFill>
+                <a:latin typeface="Consolas" panose="020B0609020204030204" pitchFamily="49" charset="0"/>
+              </a:rPr>
+              <a:t>(path = </a:t>
+            </a:r>
+            <a:r>
+              <a:rPr lang="en-IN" sz="1800" dirty="0">
+                <a:solidFill>
+                  <a:srgbClr val="2A00FF"/>
+                </a:solidFill>
+                <a:latin typeface="Consolas" panose="020B0609020204030204" pitchFamily="49" charset="0"/>
+              </a:rPr>
+              <a:t>"/</a:t>
+            </a:r>
+            <a:r>
+              <a:rPr lang="en-IN" sz="1800" dirty="0" err="1">
+                <a:solidFill>
+                  <a:srgbClr val="2A00FF"/>
+                </a:solidFill>
+                <a:latin typeface="Consolas" panose="020B0609020204030204" pitchFamily="49" charset="0"/>
+              </a:rPr>
+              <a:t>DynamicFilteringExample</a:t>
+            </a:r>
+            <a:r>
+              <a:rPr lang="en-IN" sz="1800" dirty="0">
+                <a:solidFill>
+                  <a:srgbClr val="2A00FF"/>
+                </a:solidFill>
+                <a:latin typeface="Consolas" panose="020B0609020204030204" pitchFamily="49" charset="0"/>
+              </a:rPr>
+              <a:t>"</a:t>
+            </a:r>
+            <a:r>
+              <a:rPr lang="en-IN" sz="1800" dirty="0">
+                <a:solidFill>
+                  <a:srgbClr val="000000"/>
+                </a:solidFill>
+                <a:latin typeface="Consolas" panose="020B0609020204030204" pitchFamily="49" charset="0"/>
+              </a:rPr>
+              <a:t>)</a:t>
+            </a:r>
+          </a:p>
+          <a:p>
+            <a:pPr algn="l"/>
+            <a:r>
+              <a:rPr lang="en-IN" sz="1800" b="1" dirty="0">
+                <a:solidFill>
+                  <a:srgbClr val="7F0055"/>
+                </a:solidFill>
+                <a:latin typeface="Consolas" panose="020B0609020204030204" pitchFamily="49" charset="0"/>
+              </a:rPr>
+              <a:t>public</a:t>
+            </a:r>
+            <a:r>
+              <a:rPr lang="en-IN" sz="1800" b="1" dirty="0">
+                <a:solidFill>
+                  <a:srgbClr val="000000"/>
+                </a:solidFill>
+                <a:latin typeface="Consolas" panose="020B0609020204030204" pitchFamily="49" charset="0"/>
+              </a:rPr>
+              <a:t> </a:t>
+            </a:r>
+            <a:r>
+              <a:rPr lang="en-IN" sz="1800" b="1" dirty="0" err="1">
+                <a:solidFill>
+                  <a:srgbClr val="000000"/>
+                </a:solidFill>
+                <a:latin typeface="Consolas" panose="020B0609020204030204" pitchFamily="49" charset="0"/>
+              </a:rPr>
+              <a:t>MappingJacksonValue</a:t>
+            </a:r>
+            <a:r>
+              <a:rPr lang="en-IN" sz="1800" b="1" dirty="0">
+                <a:solidFill>
+                  <a:srgbClr val="000000"/>
+                </a:solidFill>
+                <a:latin typeface="Consolas" panose="020B0609020204030204" pitchFamily="49" charset="0"/>
+              </a:rPr>
+              <a:t> </a:t>
+            </a:r>
+            <a:r>
+              <a:rPr lang="en-IN" sz="1800" b="1" dirty="0" err="1">
+                <a:solidFill>
+                  <a:srgbClr val="000000"/>
+                </a:solidFill>
+                <a:latin typeface="Consolas" panose="020B0609020204030204" pitchFamily="49" charset="0"/>
+              </a:rPr>
+              <a:t>getHelloWorldUsingDynamicFiltering</a:t>
+            </a:r>
+            <a:r>
+              <a:rPr lang="en-IN" sz="1800" b="1" dirty="0">
+                <a:solidFill>
+                  <a:srgbClr val="000000"/>
+                </a:solidFill>
+                <a:latin typeface="Consolas" panose="020B0609020204030204" pitchFamily="49" charset="0"/>
+              </a:rPr>
+              <a:t>() {</a:t>
+            </a:r>
+            <a:endParaRPr lang="en-IN" sz="1800" dirty="0">
+              <a:latin typeface="Consolas" panose="020B0609020204030204" pitchFamily="49" charset="0"/>
+            </a:endParaRPr>
+          </a:p>
+          <a:p>
+            <a:pPr algn="l"/>
+            <a:endParaRPr lang="en-IN" sz="1800" dirty="0">
+              <a:latin typeface="Consolas" panose="020B0609020204030204" pitchFamily="49" charset="0"/>
+            </a:endParaRPr>
+          </a:p>
+          <a:p>
+            <a:pPr algn="l"/>
+            <a:r>
+              <a:rPr lang="en-IN" sz="1800" dirty="0" err="1">
+                <a:solidFill>
+                  <a:srgbClr val="000000"/>
+                </a:solidFill>
+                <a:latin typeface="Consolas" panose="020B0609020204030204" pitchFamily="49" charset="0"/>
+              </a:rPr>
+              <a:t>SimpleBeanPropertyFilter</a:t>
+            </a:r>
+            <a:r>
+              <a:rPr lang="en-IN" sz="1800" dirty="0">
+                <a:solidFill>
+                  <a:srgbClr val="000000"/>
+                </a:solidFill>
+                <a:latin typeface="Consolas" panose="020B0609020204030204" pitchFamily="49" charset="0"/>
+              </a:rPr>
+              <a:t> </a:t>
+            </a:r>
+            <a:r>
+              <a:rPr lang="en-IN" sz="1800" dirty="0">
+                <a:solidFill>
+                  <a:srgbClr val="6A3E3E"/>
+                </a:solidFill>
+                <a:latin typeface="Consolas" panose="020B0609020204030204" pitchFamily="49" charset="0"/>
+              </a:rPr>
+              <a:t>filter</a:t>
+            </a:r>
+            <a:r>
+              <a:rPr lang="en-IN" sz="1800" dirty="0">
+                <a:solidFill>
+                  <a:srgbClr val="000000"/>
+                </a:solidFill>
+                <a:latin typeface="Consolas" panose="020B0609020204030204" pitchFamily="49" charset="0"/>
+              </a:rPr>
+              <a:t> = </a:t>
+            </a:r>
+            <a:r>
+              <a:rPr lang="en-IN" sz="1800" dirty="0" err="1">
+                <a:solidFill>
+                  <a:srgbClr val="000000"/>
+                </a:solidFill>
+                <a:latin typeface="Consolas" panose="020B0609020204030204" pitchFamily="49" charset="0"/>
+              </a:rPr>
+              <a:t>SimpleBeanPropertyFilter.</a:t>
+            </a:r>
+            <a:r>
+              <a:rPr lang="en-IN" sz="1800" i="1" dirty="0" err="1">
+                <a:solidFill>
+                  <a:srgbClr val="000000"/>
+                </a:solidFill>
+                <a:latin typeface="Consolas" panose="020B0609020204030204" pitchFamily="49" charset="0"/>
+              </a:rPr>
+              <a:t>filterOutAllExcept</a:t>
+            </a:r>
+            <a:r>
+              <a:rPr lang="en-IN" sz="1800" i="1" dirty="0">
+                <a:solidFill>
+                  <a:srgbClr val="000000"/>
+                </a:solidFill>
+                <a:latin typeface="Consolas" panose="020B0609020204030204" pitchFamily="49" charset="0"/>
+              </a:rPr>
+              <a:t>(</a:t>
+            </a:r>
+            <a:r>
+              <a:rPr lang="en-IN" sz="1800" i="1" dirty="0">
+                <a:solidFill>
+                  <a:srgbClr val="2A00FF"/>
+                </a:solidFill>
+                <a:latin typeface="Consolas" panose="020B0609020204030204" pitchFamily="49" charset="0"/>
+              </a:rPr>
+              <a:t>"name"</a:t>
+            </a:r>
+            <a:r>
+              <a:rPr lang="en-IN" sz="1800" i="1" dirty="0">
+                <a:solidFill>
+                  <a:srgbClr val="000000"/>
+                </a:solidFill>
+                <a:latin typeface="Consolas" panose="020B0609020204030204" pitchFamily="49" charset="0"/>
+              </a:rPr>
+              <a:t>,</a:t>
+            </a:r>
+            <a:r>
+              <a:rPr lang="en-IN" sz="1800" i="1" dirty="0">
+                <a:solidFill>
+                  <a:srgbClr val="2A00FF"/>
+                </a:solidFill>
+                <a:latin typeface="Consolas" panose="020B0609020204030204" pitchFamily="49" charset="0"/>
+              </a:rPr>
+              <a:t>"</a:t>
+            </a:r>
+            <a:r>
+              <a:rPr lang="en-IN" sz="1800" i="1" dirty="0" err="1">
+                <a:solidFill>
+                  <a:srgbClr val="2A00FF"/>
+                </a:solidFill>
+                <a:latin typeface="Consolas" panose="020B0609020204030204" pitchFamily="49" charset="0"/>
+              </a:rPr>
+              <a:t>birthDate</a:t>
+            </a:r>
+            <a:r>
+              <a:rPr lang="en-IN" sz="1800" i="1" dirty="0">
+                <a:solidFill>
+                  <a:srgbClr val="2A00FF"/>
+                </a:solidFill>
+                <a:latin typeface="Consolas" panose="020B0609020204030204" pitchFamily="49" charset="0"/>
+              </a:rPr>
+              <a:t>"</a:t>
+            </a:r>
+            <a:r>
+              <a:rPr lang="en-IN" sz="1800" i="1" dirty="0">
+                <a:solidFill>
+                  <a:srgbClr val="000000"/>
+                </a:solidFill>
+                <a:latin typeface="Consolas" panose="020B0609020204030204" pitchFamily="49" charset="0"/>
+              </a:rPr>
+              <a:t>);</a:t>
+            </a:r>
+          </a:p>
+          <a:p>
+            <a:pPr algn="l"/>
+            <a:r>
+              <a:rPr lang="en-IN" sz="1800" dirty="0" err="1">
+                <a:solidFill>
+                  <a:srgbClr val="000000"/>
+                </a:solidFill>
+                <a:latin typeface="Consolas" panose="020B0609020204030204" pitchFamily="49" charset="0"/>
+              </a:rPr>
+              <a:t>FilterProvider</a:t>
+            </a:r>
+            <a:r>
+              <a:rPr lang="en-IN" sz="1800" dirty="0">
+                <a:solidFill>
+                  <a:srgbClr val="000000"/>
+                </a:solidFill>
+                <a:latin typeface="Consolas" panose="020B0609020204030204" pitchFamily="49" charset="0"/>
+              </a:rPr>
+              <a:t> </a:t>
+            </a:r>
+            <a:r>
+              <a:rPr lang="en-IN" sz="1800" dirty="0">
+                <a:solidFill>
+                  <a:srgbClr val="6A3E3E"/>
+                </a:solidFill>
+                <a:latin typeface="Consolas" panose="020B0609020204030204" pitchFamily="49" charset="0"/>
+              </a:rPr>
+              <a:t>filters</a:t>
+            </a:r>
+            <a:r>
+              <a:rPr lang="en-IN" sz="1800" dirty="0">
+                <a:solidFill>
+                  <a:srgbClr val="000000"/>
+                </a:solidFill>
+                <a:latin typeface="Consolas" panose="020B0609020204030204" pitchFamily="49" charset="0"/>
+              </a:rPr>
+              <a:t> = </a:t>
+            </a:r>
+            <a:r>
+              <a:rPr lang="en-IN" sz="1800" b="1" dirty="0">
+                <a:solidFill>
+                  <a:srgbClr val="7F0055"/>
+                </a:solidFill>
+                <a:latin typeface="Consolas" panose="020B0609020204030204" pitchFamily="49" charset="0"/>
+              </a:rPr>
+              <a:t>new</a:t>
+            </a:r>
+            <a:r>
+              <a:rPr lang="en-IN" sz="1800" b="1" dirty="0">
+                <a:solidFill>
+                  <a:srgbClr val="000000"/>
+                </a:solidFill>
+                <a:latin typeface="Consolas" panose="020B0609020204030204" pitchFamily="49" charset="0"/>
+              </a:rPr>
+              <a:t> </a:t>
+            </a:r>
+            <a:r>
+              <a:rPr lang="en-IN" sz="1800" b="1" dirty="0" err="1">
+                <a:solidFill>
+                  <a:srgbClr val="000000"/>
+                </a:solidFill>
+                <a:latin typeface="Consolas" panose="020B0609020204030204" pitchFamily="49" charset="0"/>
+              </a:rPr>
+              <a:t>SimpleFilterProvider</a:t>
+            </a:r>
+            <a:r>
+              <a:rPr lang="en-IN" sz="1800" b="1" dirty="0">
+                <a:solidFill>
+                  <a:srgbClr val="000000"/>
+                </a:solidFill>
+                <a:latin typeface="Consolas" panose="020B0609020204030204" pitchFamily="49" charset="0"/>
+              </a:rPr>
+              <a:t>().</a:t>
+            </a:r>
+            <a:r>
+              <a:rPr lang="en-IN" sz="1800" b="1" dirty="0" err="1">
+                <a:solidFill>
+                  <a:srgbClr val="000000"/>
+                </a:solidFill>
+                <a:latin typeface="Consolas" panose="020B0609020204030204" pitchFamily="49" charset="0"/>
+              </a:rPr>
+              <a:t>addFilter</a:t>
+            </a:r>
+            <a:r>
+              <a:rPr lang="en-IN" sz="1800" b="1" dirty="0">
+                <a:solidFill>
+                  <a:srgbClr val="000000"/>
+                </a:solidFill>
+                <a:latin typeface="Consolas" panose="020B0609020204030204" pitchFamily="49" charset="0"/>
+              </a:rPr>
+              <a:t>(</a:t>
+            </a:r>
+            <a:r>
+              <a:rPr lang="en-IN" sz="1800" b="1" dirty="0">
+                <a:solidFill>
+                  <a:srgbClr val="2A00FF"/>
+                </a:solidFill>
+                <a:latin typeface="Consolas" panose="020B0609020204030204" pitchFamily="49" charset="0"/>
+              </a:rPr>
+              <a:t>"</a:t>
+            </a:r>
+            <a:r>
+              <a:rPr lang="en-IN" sz="1800" b="1" dirty="0" err="1">
+                <a:solidFill>
+                  <a:srgbClr val="2A00FF"/>
+                </a:solidFill>
+                <a:latin typeface="Consolas" panose="020B0609020204030204" pitchFamily="49" charset="0"/>
+              </a:rPr>
+              <a:t>SomeBeanFilter</a:t>
+            </a:r>
+            <a:r>
+              <a:rPr lang="en-IN" sz="1800" b="1" dirty="0">
+                <a:solidFill>
+                  <a:srgbClr val="2A00FF"/>
+                </a:solidFill>
+                <a:latin typeface="Consolas" panose="020B0609020204030204" pitchFamily="49" charset="0"/>
+              </a:rPr>
+              <a:t>"</a:t>
+            </a:r>
+            <a:r>
+              <a:rPr lang="en-IN" sz="1800" b="1" dirty="0">
+                <a:solidFill>
+                  <a:srgbClr val="000000"/>
+                </a:solidFill>
+                <a:latin typeface="Consolas" panose="020B0609020204030204" pitchFamily="49" charset="0"/>
+              </a:rPr>
+              <a:t>, </a:t>
+            </a:r>
+            <a:r>
+              <a:rPr lang="en-IN" sz="1800" b="1" dirty="0">
+                <a:solidFill>
+                  <a:srgbClr val="6A3E3E"/>
+                </a:solidFill>
+                <a:latin typeface="Consolas" panose="020B0609020204030204" pitchFamily="49" charset="0"/>
+              </a:rPr>
+              <a:t>filter</a:t>
+            </a:r>
+            <a:r>
+              <a:rPr lang="en-IN" sz="1800" b="1" dirty="0">
+                <a:solidFill>
+                  <a:srgbClr val="000000"/>
+                </a:solidFill>
+                <a:latin typeface="Consolas" panose="020B0609020204030204" pitchFamily="49" charset="0"/>
+              </a:rPr>
+              <a:t>);</a:t>
+            </a:r>
+          </a:p>
+          <a:p>
+            <a:pPr algn="l"/>
+            <a:endParaRPr lang="en-IN" sz="1800" dirty="0">
+              <a:latin typeface="Consolas" panose="020B0609020204030204" pitchFamily="49" charset="0"/>
+            </a:endParaRPr>
+          </a:p>
+          <a:p>
+            <a:pPr algn="l"/>
+            <a:r>
+              <a:rPr lang="en-US" sz="1800" dirty="0" err="1">
+                <a:solidFill>
+                  <a:srgbClr val="000000"/>
+                </a:solidFill>
+                <a:latin typeface="Consolas" panose="020B0609020204030204" pitchFamily="49" charset="0"/>
+              </a:rPr>
+              <a:t>MappingJacksonValue</a:t>
+            </a:r>
+            <a:r>
+              <a:rPr lang="en-US" sz="1800" dirty="0">
+                <a:solidFill>
+                  <a:srgbClr val="000000"/>
+                </a:solidFill>
+                <a:latin typeface="Consolas" panose="020B0609020204030204" pitchFamily="49" charset="0"/>
+              </a:rPr>
+              <a:t> </a:t>
+            </a:r>
+            <a:r>
+              <a:rPr lang="en-US" sz="1800" dirty="0">
+                <a:solidFill>
+                  <a:srgbClr val="6A3E3E"/>
+                </a:solidFill>
+                <a:latin typeface="Consolas" panose="020B0609020204030204" pitchFamily="49" charset="0"/>
+              </a:rPr>
+              <a:t>mapping</a:t>
+            </a:r>
+            <a:r>
+              <a:rPr lang="en-US" sz="1800" dirty="0">
+                <a:solidFill>
+                  <a:srgbClr val="000000"/>
+                </a:solidFill>
+                <a:latin typeface="Consolas" panose="020B0609020204030204" pitchFamily="49" charset="0"/>
+              </a:rPr>
+              <a:t> = </a:t>
+            </a:r>
+            <a:r>
+              <a:rPr lang="en-US" sz="1800" b="1" dirty="0">
+                <a:solidFill>
+                  <a:srgbClr val="7F0055"/>
+                </a:solidFill>
+                <a:latin typeface="Consolas" panose="020B0609020204030204" pitchFamily="49" charset="0"/>
+              </a:rPr>
+              <a:t>new</a:t>
+            </a:r>
+            <a:r>
+              <a:rPr lang="en-US" sz="1800" b="1" dirty="0">
+                <a:solidFill>
+                  <a:srgbClr val="000000"/>
+                </a:solidFill>
+                <a:latin typeface="Consolas" panose="020B0609020204030204" pitchFamily="49" charset="0"/>
+              </a:rPr>
+              <a:t> </a:t>
+            </a:r>
+            <a:r>
+              <a:rPr lang="en-US" sz="1800" b="1" dirty="0" err="1">
+                <a:solidFill>
+                  <a:srgbClr val="000000"/>
+                </a:solidFill>
+                <a:latin typeface="Consolas" panose="020B0609020204030204" pitchFamily="49" charset="0"/>
+              </a:rPr>
+              <a:t>MappingJacksonValue</a:t>
+            </a:r>
+            <a:r>
+              <a:rPr lang="en-US" sz="1800" b="1" dirty="0">
+                <a:solidFill>
+                  <a:srgbClr val="000000"/>
+                </a:solidFill>
+                <a:latin typeface="Consolas" panose="020B0609020204030204" pitchFamily="49" charset="0"/>
+              </a:rPr>
+              <a:t>(</a:t>
+            </a:r>
+            <a:r>
+              <a:rPr lang="en-US" sz="1800" b="1" dirty="0" err="1">
+                <a:solidFill>
+                  <a:srgbClr val="0000C0"/>
+                </a:solidFill>
+                <a:latin typeface="Consolas" panose="020B0609020204030204" pitchFamily="49" charset="0"/>
+              </a:rPr>
+              <a:t>userservice</a:t>
+            </a:r>
+            <a:r>
+              <a:rPr lang="en-US" sz="1800" b="1" dirty="0" err="1">
+                <a:solidFill>
+                  <a:srgbClr val="000000"/>
+                </a:solidFill>
+                <a:latin typeface="Consolas" panose="020B0609020204030204" pitchFamily="49" charset="0"/>
+              </a:rPr>
+              <a:t>.findAll</a:t>
+            </a:r>
+            <a:r>
+              <a:rPr lang="en-US" sz="1800" b="1" dirty="0">
+                <a:solidFill>
+                  <a:srgbClr val="000000"/>
+                </a:solidFill>
+                <a:latin typeface="Consolas" panose="020B0609020204030204" pitchFamily="49" charset="0"/>
+              </a:rPr>
+              <a:t>());</a:t>
+            </a:r>
+          </a:p>
+          <a:p>
+            <a:pPr algn="l"/>
+            <a:endParaRPr lang="en-IN" sz="1800" dirty="0">
+              <a:latin typeface="Consolas" panose="020B0609020204030204" pitchFamily="49" charset="0"/>
+            </a:endParaRPr>
+          </a:p>
+          <a:p>
+            <a:pPr algn="l"/>
+            <a:r>
+              <a:rPr lang="en-IN" sz="1800" dirty="0" err="1">
+                <a:solidFill>
+                  <a:srgbClr val="6A3E3E"/>
+                </a:solidFill>
+                <a:latin typeface="Consolas" panose="020B0609020204030204" pitchFamily="49" charset="0"/>
+              </a:rPr>
+              <a:t>mapping</a:t>
+            </a:r>
+            <a:r>
+              <a:rPr lang="en-IN" sz="1800" dirty="0" err="1">
+                <a:solidFill>
+                  <a:srgbClr val="000000"/>
+                </a:solidFill>
+                <a:latin typeface="Consolas" panose="020B0609020204030204" pitchFamily="49" charset="0"/>
+              </a:rPr>
+              <a:t>.setFilters</a:t>
+            </a:r>
+            <a:r>
+              <a:rPr lang="en-IN" sz="1800" dirty="0">
+                <a:solidFill>
+                  <a:srgbClr val="000000"/>
+                </a:solidFill>
+                <a:latin typeface="Consolas" panose="020B0609020204030204" pitchFamily="49" charset="0"/>
+              </a:rPr>
+              <a:t>(</a:t>
+            </a:r>
+            <a:r>
+              <a:rPr lang="en-IN" sz="1800" dirty="0">
+                <a:solidFill>
+                  <a:srgbClr val="6A3E3E"/>
+                </a:solidFill>
+                <a:latin typeface="Consolas" panose="020B0609020204030204" pitchFamily="49" charset="0"/>
+              </a:rPr>
+              <a:t>filters</a:t>
+            </a:r>
+            <a:r>
+              <a:rPr lang="en-IN" sz="1800" dirty="0">
+                <a:solidFill>
+                  <a:srgbClr val="000000"/>
+                </a:solidFill>
+                <a:latin typeface="Consolas" panose="020B0609020204030204" pitchFamily="49" charset="0"/>
+              </a:rPr>
+              <a:t>);</a:t>
+            </a:r>
+          </a:p>
+          <a:p>
+            <a:pPr algn="l"/>
+            <a:endParaRPr lang="en-IN" sz="1800" dirty="0">
+              <a:latin typeface="Consolas" panose="020B0609020204030204" pitchFamily="49" charset="0"/>
+            </a:endParaRPr>
+          </a:p>
+          <a:p>
+            <a:pPr algn="l"/>
+            <a:r>
+              <a:rPr lang="en-IN" sz="1800" b="1" dirty="0">
+                <a:solidFill>
+                  <a:srgbClr val="7F0055"/>
+                </a:solidFill>
+                <a:latin typeface="Consolas" panose="020B0609020204030204" pitchFamily="49" charset="0"/>
+              </a:rPr>
+              <a:t>return</a:t>
+            </a:r>
+            <a:r>
+              <a:rPr lang="en-IN" sz="1800" b="1" dirty="0">
+                <a:solidFill>
+                  <a:srgbClr val="000000"/>
+                </a:solidFill>
+                <a:latin typeface="Consolas" panose="020B0609020204030204" pitchFamily="49" charset="0"/>
+              </a:rPr>
+              <a:t> </a:t>
+            </a:r>
+            <a:r>
+              <a:rPr lang="en-IN" sz="1800" b="1" dirty="0">
+                <a:solidFill>
+                  <a:srgbClr val="6A3E3E"/>
+                </a:solidFill>
+                <a:latin typeface="Consolas" panose="020B0609020204030204" pitchFamily="49" charset="0"/>
+              </a:rPr>
+              <a:t>mapping</a:t>
+            </a:r>
+            <a:r>
+              <a:rPr lang="en-IN" sz="1800" b="1" dirty="0">
+                <a:solidFill>
+                  <a:srgbClr val="000000"/>
+                </a:solidFill>
+                <a:latin typeface="Consolas" panose="020B0609020204030204" pitchFamily="49" charset="0"/>
+              </a:rPr>
+              <a:t>;</a:t>
+            </a:r>
+            <a:endParaRPr lang="en-IN" sz="1800" dirty="0">
+              <a:latin typeface="Consolas" panose="020B0609020204030204" pitchFamily="49" charset="0"/>
+            </a:endParaRPr>
+          </a:p>
+          <a:p>
+            <a:pPr algn="l"/>
+            <a:r>
+              <a:rPr lang="en-IN" sz="1800" dirty="0">
+                <a:solidFill>
+                  <a:srgbClr val="000000"/>
+                </a:solidFill>
+                <a:latin typeface="Consolas" panose="020B0609020204030204" pitchFamily="49" charset="0"/>
+              </a:rPr>
+              <a:t>}</a:t>
+            </a:r>
+            <a:endParaRPr lang="en-IN" dirty="0"/>
+          </a:p>
+        </p:txBody>
+      </p:sp>
+      <p:pic>
+        <p:nvPicPr>
+          <p:cNvPr id="9" name="Picture 8">
+            <a:extLst>
+              <a:ext uri="{FF2B5EF4-FFF2-40B4-BE49-F238E27FC236}">
+                <a16:creationId xmlns:a16="http://schemas.microsoft.com/office/drawing/2014/main" id="{425689B8-1D3F-41A8-B969-0207BEED264E}"/>
+              </a:ext>
+            </a:extLst>
+          </p:cNvPr>
+          <p:cNvPicPr>
+            <a:picLocks noChangeAspect="1"/>
+          </p:cNvPicPr>
+          <p:nvPr/>
+        </p:nvPicPr>
+        <p:blipFill>
+          <a:blip r:embed="rId2"/>
+          <a:stretch>
+            <a:fillRect/>
+          </a:stretch>
+        </p:blipFill>
+        <p:spPr>
+          <a:xfrm>
+            <a:off x="5967550" y="3715552"/>
+            <a:ext cx="4770533" cy="2072820"/>
+          </a:xfrm>
+          <a:prstGeom prst="rect">
+            <a:avLst/>
+          </a:prstGeom>
+        </p:spPr>
+      </p:pic>
+    </p:spTree>
+    <p:extLst>
+      <p:ext uri="{BB962C8B-B14F-4D97-AF65-F5344CB8AC3E}">
+        <p14:creationId xmlns:p14="http://schemas.microsoft.com/office/powerpoint/2010/main" val="3707148467"/>
       </p:ext>
     </p:extLst>
   </p:cSld>
